--- a/Introduction to WebSockets.pptx
+++ b/Introduction to WebSockets.pptx
@@ -15,7 +15,8 @@
     <p:sldId id="263" r:id="rId9"/>
     <p:sldId id="264" r:id="rId10"/>
     <p:sldId id="265" r:id="rId11"/>
-    <p:sldId id="266" r:id="rId12"/>
+    <p:sldId id="267" r:id="rId12"/>
+    <p:sldId id="266" r:id="rId13"/>
   </p:sldIdLst>
   <p:sldSz cx="12192000" cy="6858000"/>
   <p:notesSz cx="6858000" cy="9144000"/>
@@ -114,6 +115,11 @@
       </a:defRPr>
     </a:lvl9pPr>
   </p:defaultTextStyle>
+  <p:extLst>
+    <p:ext uri="{EFAFB233-063F-42B5-8137-9DF3F51BA10A}">
+      <p15:sldGuideLst xmlns:p15="http://schemas.microsoft.com/office/powerpoint/2012/main"/>
+    </p:ext>
+  </p:extLst>
 </p:presentation>
 </file>
 
@@ -306,7 +312,7 @@
             <a:fld id="{B61BEF0D-F0BB-DE4B-95CE-6DB70DBA9567}" type="datetimeFigureOut">
               <a:rPr lang="en-US" dirty="0"/>
               <a:pPr/>
-              <a:t>2/20/2020</a:t>
+              <a:t>2/21/2020</a:t>
             </a:fld>
             <a:endParaRPr lang="en-US" dirty="0"/>
           </a:p>
@@ -641,7 +647,7 @@
             <a:fld id="{B61BEF0D-F0BB-DE4B-95CE-6DB70DBA9567}" type="datetimeFigureOut">
               <a:rPr lang="en-US" dirty="0"/>
               <a:pPr/>
-              <a:t>2/20/2020</a:t>
+              <a:t>2/21/2020</a:t>
             </a:fld>
             <a:endParaRPr lang="en-US" dirty="0"/>
           </a:p>
@@ -1039,7 +1045,7 @@
             <a:fld id="{B61BEF0D-F0BB-DE4B-95CE-6DB70DBA9567}" type="datetimeFigureOut">
               <a:rPr lang="en-US" dirty="0"/>
               <a:pPr/>
-              <a:t>2/20/2020</a:t>
+              <a:t>2/21/2020</a:t>
             </a:fld>
             <a:endParaRPr lang="en-US" dirty="0"/>
           </a:p>
@@ -1372,7 +1378,7 @@
             <a:fld id="{B61BEF0D-F0BB-DE4B-95CE-6DB70DBA9567}" type="datetimeFigureOut">
               <a:rPr lang="en-US" dirty="0"/>
               <a:pPr/>
-              <a:t>2/20/2020</a:t>
+              <a:t>2/21/2020</a:t>
             </a:fld>
             <a:endParaRPr lang="en-US" dirty="0"/>
           </a:p>
@@ -1689,7 +1695,7 @@
             <a:fld id="{B61BEF0D-F0BB-DE4B-95CE-6DB70DBA9567}" type="datetimeFigureOut">
               <a:rPr lang="en-US" dirty="0"/>
               <a:pPr/>
-              <a:t>2/20/2020</a:t>
+              <a:t>2/21/2020</a:t>
             </a:fld>
             <a:endParaRPr lang="en-US" dirty="0"/>
           </a:p>
@@ -2082,7 +2088,7 @@
             <a:fld id="{B61BEF0D-F0BB-DE4B-95CE-6DB70DBA9567}" type="datetimeFigureOut">
               <a:rPr lang="en-US" dirty="0"/>
               <a:pPr/>
-              <a:t>2/20/2020</a:t>
+              <a:t>2/21/2020</a:t>
             </a:fld>
             <a:endParaRPr lang="en-US" dirty="0"/>
           </a:p>
@@ -2336,7 +2342,7 @@
             <a:fld id="{B61BEF0D-F0BB-DE4B-95CE-6DB70DBA9567}" type="datetimeFigureOut">
               <a:rPr lang="en-US" dirty="0"/>
               <a:pPr/>
-              <a:t>2/20/2020</a:t>
+              <a:t>2/21/2020</a:t>
             </a:fld>
             <a:endParaRPr lang="en-US" dirty="0"/>
           </a:p>
@@ -2595,7 +2601,7 @@
             <a:fld id="{B61BEF0D-F0BB-DE4B-95CE-6DB70DBA9567}" type="datetimeFigureOut">
               <a:rPr lang="en-US" dirty="0"/>
               <a:pPr/>
-              <a:t>2/20/2020</a:t>
+              <a:t>2/21/2020</a:t>
             </a:fld>
             <a:endParaRPr lang="en-US" dirty="0"/>
           </a:p>
@@ -2854,7 +2860,7 @@
             <a:fld id="{B61BEF0D-F0BB-DE4B-95CE-6DB70DBA9567}" type="datetimeFigureOut">
               <a:rPr lang="en-US" dirty="0"/>
               <a:pPr/>
-              <a:t>2/20/2020</a:t>
+              <a:t>2/21/2020</a:t>
             </a:fld>
             <a:endParaRPr lang="en-US" dirty="0"/>
           </a:p>
@@ -3180,7 +3186,7 @@
             <a:fld id="{B61BEF0D-F0BB-DE4B-95CE-6DB70DBA9567}" type="datetimeFigureOut">
               <a:rPr lang="en-US" dirty="0"/>
               <a:pPr/>
-              <a:t>2/20/2020</a:t>
+              <a:t>2/21/2020</a:t>
             </a:fld>
             <a:endParaRPr lang="en-US" dirty="0"/>
           </a:p>
@@ -3500,7 +3506,7 @@
             <a:fld id="{B61BEF0D-F0BB-DE4B-95CE-6DB70DBA9567}" type="datetimeFigureOut">
               <a:rPr lang="en-US" dirty="0"/>
               <a:pPr/>
-              <a:t>2/20/2020</a:t>
+              <a:t>2/21/2020</a:t>
             </a:fld>
             <a:endParaRPr lang="en-US" dirty="0"/>
           </a:p>
@@ -3954,7 +3960,7 @@
             <a:fld id="{B61BEF0D-F0BB-DE4B-95CE-6DB70DBA9567}" type="datetimeFigureOut">
               <a:rPr lang="en-US" dirty="0"/>
               <a:pPr/>
-              <a:t>2/20/2020</a:t>
+              <a:t>2/21/2020</a:t>
             </a:fld>
             <a:endParaRPr lang="en-US" dirty="0"/>
           </a:p>
@@ -4156,7 +4162,7 @@
             <a:fld id="{B61BEF0D-F0BB-DE4B-95CE-6DB70DBA9567}" type="datetimeFigureOut">
               <a:rPr lang="en-US" dirty="0"/>
               <a:pPr/>
-              <a:t>2/20/2020</a:t>
+              <a:t>2/21/2020</a:t>
             </a:fld>
             <a:endParaRPr lang="en-US" dirty="0"/>
           </a:p>
@@ -4330,7 +4336,7 @@
             <a:fld id="{B61BEF0D-F0BB-DE4B-95CE-6DB70DBA9567}" type="datetimeFigureOut">
               <a:rPr lang="en-US" dirty="0"/>
               <a:pPr/>
-              <a:t>2/20/2020</a:t>
+              <a:t>2/21/2020</a:t>
             </a:fld>
             <a:endParaRPr lang="en-US" dirty="0"/>
           </a:p>
@@ -4660,7 +4666,7 @@
             <a:fld id="{B61BEF0D-F0BB-DE4B-95CE-6DB70DBA9567}" type="datetimeFigureOut">
               <a:rPr lang="en-US" dirty="0"/>
               <a:pPr/>
-              <a:t>2/20/2020</a:t>
+              <a:t>2/21/2020</a:t>
             </a:fld>
             <a:endParaRPr lang="en-US" dirty="0"/>
           </a:p>
@@ -5002,7 +5008,7 @@
             <a:fld id="{B61BEF0D-F0BB-DE4B-95CE-6DB70DBA9567}" type="datetimeFigureOut">
               <a:rPr lang="en-US" dirty="0"/>
               <a:pPr/>
-              <a:t>2/20/2020</a:t>
+              <a:t>2/21/2020</a:t>
             </a:fld>
             <a:endParaRPr lang="en-US" dirty="0"/>
           </a:p>
@@ -7116,7 +7122,7 @@
             <a:fld id="{B61BEF0D-F0BB-DE4B-95CE-6DB70DBA9567}" type="datetimeFigureOut">
               <a:rPr lang="en-US" dirty="0"/>
               <a:pPr/>
-              <a:t>2/20/2020</a:t>
+              <a:t>2/21/2020</a:t>
             </a:fld>
             <a:endParaRPr lang="en-US" dirty="0"/>
           </a:p>
@@ -7830,6 +7836,80 @@
         </p:nvSpPr>
         <p:spPr/>
         <p:txBody>
+          <a:bodyPr>
+            <a:normAutofit fontScale="90000"/>
+          </a:bodyPr>
+          <a:lstStyle/>
+          <a:p>
+            <a:r>
+              <a:rPr lang="en-US" dirty="0" smtClean="0"/>
+              <a:t>What is Socket.io????????????????????????????</a:t>
+            </a:r>
+            <a:endParaRPr lang="en-US" dirty="0"/>
+          </a:p>
+        </p:txBody>
+      </p:sp>
+      <p:sp>
+        <p:nvSpPr>
+          <p:cNvPr id="3" name="Content Placeholder 2"/>
+          <p:cNvSpPr>
+            <a:spLocks noGrp="1"/>
+          </p:cNvSpPr>
+          <p:nvPr>
+            <p:ph idx="1"/>
+          </p:nvPr>
+        </p:nvSpPr>
+        <p:spPr/>
+        <p:txBody>
+          <a:bodyPr/>
+          <a:lstStyle/>
+          <a:p>
+            <a:endParaRPr lang="en-US"/>
+          </a:p>
+        </p:txBody>
+      </p:sp>
+    </p:spTree>
+    <p:extLst>
+      <p:ext uri="{BB962C8B-B14F-4D97-AF65-F5344CB8AC3E}">
+        <p14:creationId xmlns:p14="http://schemas.microsoft.com/office/powerpoint/2010/main" val="3131191541"/>
+      </p:ext>
+    </p:extLst>
+  </p:cSld>
+  <p:clrMapOvr>
+    <a:masterClrMapping/>
+  </p:clrMapOvr>
+</p:sld>
+</file>
+
+<file path=ppt/slides/slide12.xml><?xml version="1.0" encoding="utf-8"?>
+<p:sld xmlns:a="http://schemas.openxmlformats.org/drawingml/2006/main" xmlns:r="http://schemas.openxmlformats.org/officeDocument/2006/relationships" xmlns:p="http://schemas.openxmlformats.org/presentationml/2006/main">
+  <p:cSld>
+    <p:spTree>
+      <p:nvGrpSpPr>
+        <p:cNvPr id="1" name=""/>
+        <p:cNvGrpSpPr/>
+        <p:nvPr/>
+      </p:nvGrpSpPr>
+      <p:grpSpPr>
+        <a:xfrm>
+          <a:off x="0" y="0"/>
+          <a:ext cx="0" cy="0"/>
+          <a:chOff x="0" y="0"/>
+          <a:chExt cx="0" cy="0"/>
+        </a:xfrm>
+      </p:grpSpPr>
+      <p:sp>
+        <p:nvSpPr>
+          <p:cNvPr id="2" name="Title 1"/>
+          <p:cNvSpPr>
+            <a:spLocks noGrp="1"/>
+          </p:cNvSpPr>
+          <p:nvPr>
+            <p:ph type="title"/>
+          </p:nvPr>
+        </p:nvSpPr>
+        <p:spPr/>
+        <p:txBody>
           <a:bodyPr/>
           <a:lstStyle/>
           <a:p>
@@ -8007,7 +8087,21 @@
             </a:r>
             <a:r>
               <a:rPr lang="en-US" dirty="0" smtClean="0"/>
-              <a:t> Pros and Cons</a:t>
+              <a:t> Pros and </a:t>
+            </a:r>
+            <a:r>
+              <a:rPr lang="en-US" dirty="0" smtClean="0"/>
+              <a:t>Cons</a:t>
+            </a:r>
+          </a:p>
+          <a:p>
+            <a:r>
+              <a:rPr lang="en-US" dirty="0" err="1" smtClean="0"/>
+              <a:t>Websocket</a:t>
+            </a:r>
+            <a:r>
+              <a:rPr lang="en-US" dirty="0" smtClean="0"/>
+              <a:t> and what is socket.io</a:t>
             </a:r>
             <a:endParaRPr lang="en-US" dirty="0"/>
           </a:p>
@@ -8318,13 +8412,11 @@
       </p:sp>
       <p:pic>
         <p:nvPicPr>
-          <p:cNvPr id="4" name="Content Placeholder 3"/>
+          <p:cNvPr id="6" name="Picture 5"/>
           <p:cNvPicPr>
-            <a:picLocks noGrp="1" noChangeAspect="1"/>
+            <a:picLocks noChangeAspect="1"/>
           </p:cNvPicPr>
-          <p:nvPr>
-            <p:ph idx="1"/>
-          </p:nvPr>
+          <p:nvPr/>
         </p:nvPicPr>
         <p:blipFill>
           <a:blip r:embed="rId2">
@@ -8340,9 +8432,12 @@
         </p:blipFill>
         <p:spPr>
           <a:xfrm>
-            <a:off x="1413020" y="1515762"/>
-            <a:ext cx="9703550" cy="4654379"/>
+            <a:off x="1169774" y="1413727"/>
+            <a:ext cx="10058400" cy="5282510"/>
           </a:xfrm>
+          <a:prstGeom prst="rect">
+            <a:avLst/>
+          </a:prstGeom>
         </p:spPr>
       </p:pic>
     </p:spTree>
